--- a/001 - Introduction to JavaScript/lesson 1.pptx
+++ b/001 - Introduction to JavaScript/lesson 1.pptx
@@ -5,7 +5,7 @@
     <p:sldMasterId id="2147483648" r:id="rId1"/>
   </p:sldMasterIdLst>
   <p:notesMasterIdLst>
-    <p:notesMasterId r:id="rId27"/>
+    <p:notesMasterId r:id="rId26"/>
   </p:notesMasterIdLst>
   <p:sldIdLst>
     <p:sldId id="256" r:id="rId2"/>
@@ -32,7 +32,6 @@
     <p:sldId id="311" r:id="rId23"/>
     <p:sldId id="299" r:id="rId24"/>
     <p:sldId id="859" r:id="rId25"/>
-    <p:sldId id="323" r:id="rId26"/>
   </p:sldIdLst>
   <p:sldSz cx="12192000" cy="6858000"/>
   <p:notesSz cx="6858000" cy="9144000"/>
@@ -221,7 +220,7 @@
           <a:p>
             <a:fld id="{31DA88FC-5802-4C66-8A1D-1CDBCE49DD18}" type="datetimeFigureOut">
               <a:rPr lang="en-US" smtClean="0"/>
-              <a:t>1/24/2026</a:t>
+              <a:t>2/15/2026</a:t>
             </a:fld>
             <a:endParaRPr lang="en-US"/>
           </a:p>
@@ -2413,133 +2412,6 @@
 </p:notes>
 </file>
 
-<file path=ppt/notesSlides/notesSlide24.xml><?xml version="1.0" encoding="utf-8"?>
-<p:notes xmlns:a="http://schemas.openxmlformats.org/drawingml/2006/main" xmlns:r="http://schemas.openxmlformats.org/officeDocument/2006/relationships" xmlns:p="http://schemas.openxmlformats.org/presentationml/2006/main" showMasterSp="0" showMasterPhAnim="0">
-  <p:cSld>
-    <p:spTree>
-      <p:nvGrpSpPr>
-        <p:cNvPr id="1" name="Shape 232">
-          <a:extLst>
-            <a:ext uri="{FF2B5EF4-FFF2-40B4-BE49-F238E27FC236}">
-              <a16:creationId xmlns:a16="http://schemas.microsoft.com/office/drawing/2014/main" id="{8FA58144-79BC-EE26-BA84-31FB476E88D6}"/>
-            </a:ext>
-          </a:extLst>
-        </p:cNvPr>
-        <p:cNvGrpSpPr/>
-        <p:nvPr/>
-      </p:nvGrpSpPr>
-      <p:grpSpPr>
-        <a:xfrm>
-          <a:off x="0" y="0"/>
-          <a:ext cx="0" cy="0"/>
-          <a:chOff x="0" y="0"/>
-          <a:chExt cx="0" cy="0"/>
-        </a:xfrm>
-      </p:grpSpPr>
-      <p:sp>
-        <p:nvSpPr>
-          <p:cNvPr id="233" name="Google Shape;233;gd431007ba2_0_208:notes">
-            <a:extLst>
-              <a:ext uri="{FF2B5EF4-FFF2-40B4-BE49-F238E27FC236}">
-                <a16:creationId xmlns:a16="http://schemas.microsoft.com/office/drawing/2014/main" id="{5573882B-2DF9-EC4A-F119-F158D8A641EE}"/>
-              </a:ext>
-            </a:extLst>
-          </p:cNvPr>
-          <p:cNvSpPr>
-            <a:spLocks noGrp="1" noRot="1" noChangeAspect="1"/>
-          </p:cNvSpPr>
-          <p:nvPr>
-            <p:ph type="sldImg" idx="2"/>
-          </p:nvPr>
-        </p:nvSpPr>
-        <p:spPr>
-          <a:xfrm>
-            <a:off x="381000" y="685800"/>
-            <a:ext cx="6096000" cy="3429000"/>
-          </a:xfrm>
-          <a:custGeom>
-            <a:avLst/>
-            <a:gdLst/>
-            <a:ahLst/>
-            <a:cxnLst/>
-            <a:rect l="l" t="t" r="r" b="b"/>
-            <a:pathLst>
-              <a:path w="120000" h="120000" extrusionOk="0">
-                <a:moveTo>
-                  <a:pt x="0" y="0"/>
-                </a:moveTo>
-                <a:lnTo>
-                  <a:pt x="120000" y="0"/>
-                </a:lnTo>
-                <a:lnTo>
-                  <a:pt x="120000" y="120000"/>
-                </a:lnTo>
-                <a:lnTo>
-                  <a:pt x="0" y="120000"/>
-                </a:lnTo>
-                <a:close/>
-              </a:path>
-            </a:pathLst>
-          </a:custGeom>
-        </p:spPr>
-      </p:sp>
-      <p:sp>
-        <p:nvSpPr>
-          <p:cNvPr id="234" name="Google Shape;234;gd431007ba2_0_208:notes">
-            <a:extLst>
-              <a:ext uri="{FF2B5EF4-FFF2-40B4-BE49-F238E27FC236}">
-                <a16:creationId xmlns:a16="http://schemas.microsoft.com/office/drawing/2014/main" id="{34D4D71E-D4A4-DE24-C26D-1530859AFB55}"/>
-              </a:ext>
-            </a:extLst>
-          </p:cNvPr>
-          <p:cNvSpPr txBox="1">
-            <a:spLocks noGrp="1"/>
-          </p:cNvSpPr>
-          <p:nvPr>
-            <p:ph type="body" idx="1"/>
-          </p:nvPr>
-        </p:nvSpPr>
-        <p:spPr>
-          <a:xfrm>
-            <a:off x="685800" y="4343400"/>
-            <a:ext cx="5486400" cy="4114800"/>
-          </a:xfrm>
-          <a:prstGeom prst="rect">
-            <a:avLst/>
-          </a:prstGeom>
-        </p:spPr>
-        <p:txBody>
-          <a:bodyPr spcFirstLastPara="1" wrap="square" lIns="91425" tIns="91425" rIns="91425" bIns="91425" anchor="t" anchorCtr="0">
-            <a:noAutofit/>
-          </a:bodyPr>
-          <a:lstStyle/>
-          <a:p>
-            <a:pPr marL="0" lvl="0" indent="0" algn="l" rtl="0">
-              <a:spcBef>
-                <a:spcPts val="0"/>
-              </a:spcBef>
-              <a:spcAft>
-                <a:spcPts val="0"/>
-              </a:spcAft>
-              <a:buNone/>
-            </a:pPr>
-            <a:endParaRPr dirty="0"/>
-          </a:p>
-        </p:txBody>
-      </p:sp>
-    </p:spTree>
-    <p:extLst>
-      <p:ext uri="{BB962C8B-B14F-4D97-AF65-F5344CB8AC3E}">
-        <p14:creationId xmlns:p14="http://schemas.microsoft.com/office/powerpoint/2010/main" val="3305771745"/>
-      </p:ext>
-    </p:extLst>
-  </p:cSld>
-  <p:clrMapOvr>
-    <a:masterClrMapping/>
-  </p:clrMapOvr>
-</p:notes>
-</file>
-
 <file path=ppt/notesSlides/notesSlide3.xml><?xml version="1.0" encoding="utf-8"?>
 <p:notes xmlns:a="http://schemas.openxmlformats.org/drawingml/2006/main" xmlns:r="http://schemas.openxmlformats.org/officeDocument/2006/relationships" xmlns:p="http://schemas.openxmlformats.org/presentationml/2006/main">
   <p:cSld>
@@ -3492,7 +3364,7 @@
           <a:p>
             <a:fld id="{A01EBFEA-3F2A-4D64-BC2C-09648635EE98}" type="datetimeFigureOut">
               <a:rPr lang="en-US" smtClean="0"/>
-              <a:t>1/24/2026</a:t>
+              <a:t>2/15/2026</a:t>
             </a:fld>
             <a:endParaRPr lang="en-US"/>
           </a:p>
@@ -3690,7 +3562,7 @@
           <a:p>
             <a:fld id="{A01EBFEA-3F2A-4D64-BC2C-09648635EE98}" type="datetimeFigureOut">
               <a:rPr lang="en-US" smtClean="0"/>
-              <a:t>1/24/2026</a:t>
+              <a:t>2/15/2026</a:t>
             </a:fld>
             <a:endParaRPr lang="en-US"/>
           </a:p>
@@ -3898,7 +3770,7 @@
           <a:p>
             <a:fld id="{A01EBFEA-3F2A-4D64-BC2C-09648635EE98}" type="datetimeFigureOut">
               <a:rPr lang="en-US" smtClean="0"/>
-              <a:t>1/24/2026</a:t>
+              <a:t>2/15/2026</a:t>
             </a:fld>
             <a:endParaRPr lang="en-US"/>
           </a:p>
@@ -9653,7 +9525,7 @@
           <a:p>
             <a:fld id="{A01EBFEA-3F2A-4D64-BC2C-09648635EE98}" type="datetimeFigureOut">
               <a:rPr lang="en-US" smtClean="0"/>
-              <a:t>1/24/2026</a:t>
+              <a:t>2/15/2026</a:t>
             </a:fld>
             <a:endParaRPr lang="en-US"/>
           </a:p>
@@ -9928,7 +9800,7 @@
           <a:p>
             <a:fld id="{A01EBFEA-3F2A-4D64-BC2C-09648635EE98}" type="datetimeFigureOut">
               <a:rPr lang="en-US" smtClean="0"/>
-              <a:t>1/24/2026</a:t>
+              <a:t>2/15/2026</a:t>
             </a:fld>
             <a:endParaRPr lang="en-US"/>
           </a:p>
@@ -10193,7 +10065,7 @@
           <a:p>
             <a:fld id="{A01EBFEA-3F2A-4D64-BC2C-09648635EE98}" type="datetimeFigureOut">
               <a:rPr lang="en-US" smtClean="0"/>
-              <a:t>1/24/2026</a:t>
+              <a:t>2/15/2026</a:t>
             </a:fld>
             <a:endParaRPr lang="en-US"/>
           </a:p>
@@ -10605,7 +10477,7 @@
           <a:p>
             <a:fld id="{A01EBFEA-3F2A-4D64-BC2C-09648635EE98}" type="datetimeFigureOut">
               <a:rPr lang="en-US" smtClean="0"/>
-              <a:t>1/24/2026</a:t>
+              <a:t>2/15/2026</a:t>
             </a:fld>
             <a:endParaRPr lang="en-US"/>
           </a:p>
@@ -10746,7 +10618,7 @@
           <a:p>
             <a:fld id="{A01EBFEA-3F2A-4D64-BC2C-09648635EE98}" type="datetimeFigureOut">
               <a:rPr lang="en-US" smtClean="0"/>
-              <a:t>1/24/2026</a:t>
+              <a:t>2/15/2026</a:t>
             </a:fld>
             <a:endParaRPr lang="en-US"/>
           </a:p>
@@ -10859,7 +10731,7 @@
           <a:p>
             <a:fld id="{A01EBFEA-3F2A-4D64-BC2C-09648635EE98}" type="datetimeFigureOut">
               <a:rPr lang="en-US" smtClean="0"/>
-              <a:t>1/24/2026</a:t>
+              <a:t>2/15/2026</a:t>
             </a:fld>
             <a:endParaRPr lang="en-US"/>
           </a:p>
@@ -11170,7 +11042,7 @@
           <a:p>
             <a:fld id="{A01EBFEA-3F2A-4D64-BC2C-09648635EE98}" type="datetimeFigureOut">
               <a:rPr lang="en-US" smtClean="0"/>
-              <a:t>1/24/2026</a:t>
+              <a:t>2/15/2026</a:t>
             </a:fld>
             <a:endParaRPr lang="en-US"/>
           </a:p>
@@ -11458,7 +11330,7 @@
           <a:p>
             <a:fld id="{A01EBFEA-3F2A-4D64-BC2C-09648635EE98}" type="datetimeFigureOut">
               <a:rPr lang="en-US" smtClean="0"/>
-              <a:t>1/24/2026</a:t>
+              <a:t>2/15/2026</a:t>
             </a:fld>
             <a:endParaRPr lang="en-US"/>
           </a:p>
@@ -11699,7 +11571,7 @@
           <a:p>
             <a:fld id="{A01EBFEA-3F2A-4D64-BC2C-09648635EE98}" type="datetimeFigureOut">
               <a:rPr lang="en-US" smtClean="0"/>
-              <a:t>1/24/2026</a:t>
+              <a:t>2/15/2026</a:t>
             </a:fld>
             <a:endParaRPr lang="en-US"/>
           </a:p>
@@ -27041,192 +26913,6 @@
 </p:sld>
 </file>
 
-<file path=ppt/slides/slide25.xml><?xml version="1.0" encoding="utf-8"?>
-<p:sld xmlns:a="http://schemas.openxmlformats.org/drawingml/2006/main" xmlns:r="http://schemas.openxmlformats.org/officeDocument/2006/relationships" xmlns:p="http://schemas.openxmlformats.org/presentationml/2006/main">
-  <p:cSld>
-    <p:spTree>
-      <p:nvGrpSpPr>
-        <p:cNvPr id="1" name="Shape 235">
-          <a:extLst>
-            <a:ext uri="{FF2B5EF4-FFF2-40B4-BE49-F238E27FC236}">
-              <a16:creationId xmlns:a16="http://schemas.microsoft.com/office/drawing/2014/main" id="{7B2990AD-97D1-1182-45E0-F6970BE7676C}"/>
-            </a:ext>
-          </a:extLst>
-        </p:cNvPr>
-        <p:cNvGrpSpPr/>
-        <p:nvPr/>
-      </p:nvGrpSpPr>
-      <p:grpSpPr>
-        <a:xfrm>
-          <a:off x="0" y="0"/>
-          <a:ext cx="0" cy="0"/>
-          <a:chOff x="0" y="0"/>
-          <a:chExt cx="0" cy="0"/>
-        </a:xfrm>
-      </p:grpSpPr>
-      <p:sp>
-        <p:nvSpPr>
-          <p:cNvPr id="236" name="Google Shape;236;p30">
-            <a:extLst>
-              <a:ext uri="{FF2B5EF4-FFF2-40B4-BE49-F238E27FC236}">
-                <a16:creationId xmlns:a16="http://schemas.microsoft.com/office/drawing/2014/main" id="{F9885E3E-8E13-DC0A-515B-9C7405E749F6}"/>
-              </a:ext>
-            </a:extLst>
-          </p:cNvPr>
-          <p:cNvSpPr txBox="1">
-            <a:spLocks noGrp="1"/>
-          </p:cNvSpPr>
-          <p:nvPr>
-            <p:ph type="title"/>
-          </p:nvPr>
-        </p:nvSpPr>
-        <p:spPr>
-          <a:xfrm>
-            <a:off x="960000" y="593367"/>
-            <a:ext cx="10272000" cy="763600"/>
-          </a:xfrm>
-          <a:prstGeom prst="rect">
-            <a:avLst/>
-          </a:prstGeom>
-        </p:spPr>
-        <p:txBody>
-          <a:bodyPr spcFirstLastPara="1" vert="horz" wrap="square" lIns="121900" tIns="121900" rIns="121900" bIns="121900" rtlCol="0" anchor="t" anchorCtr="0">
-            <a:noAutofit/>
-          </a:bodyPr>
-          <a:lstStyle/>
-          <a:p>
-            <a:r>
-              <a:rPr lang="en" dirty="0"/>
-              <a:t>Outputs &amp; Comments </a:t>
-            </a:r>
-            <a:endParaRPr dirty="0"/>
-          </a:p>
-        </p:txBody>
-      </p:sp>
-      <p:cxnSp>
-        <p:nvCxnSpPr>
-          <p:cNvPr id="242" name="Google Shape;242;p30">
-            <a:extLst>
-              <a:ext uri="{FF2B5EF4-FFF2-40B4-BE49-F238E27FC236}">
-                <a16:creationId xmlns:a16="http://schemas.microsoft.com/office/drawing/2014/main" id="{95AC7208-DCED-0A8F-DE5D-789A88EE91FC}"/>
-              </a:ext>
-            </a:extLst>
-          </p:cNvPr>
-          <p:cNvCxnSpPr/>
-          <p:nvPr/>
-        </p:nvCxnSpPr>
-        <p:spPr>
-          <a:xfrm>
-            <a:off x="0" y="6138667"/>
-            <a:ext cx="1524000" cy="0"/>
-          </a:xfrm>
-          <a:prstGeom prst="straightConnector1">
-            <a:avLst/>
-          </a:prstGeom>
-          <a:noFill/>
-          <a:ln w="9525" cap="flat" cmpd="sng">
-            <a:solidFill>
-              <a:srgbClr val="FFC000"/>
-            </a:solidFill>
-            <a:prstDash val="solid"/>
-            <a:round/>
-            <a:headEnd type="none" w="med" len="med"/>
-            <a:tailEnd type="oval" w="med" len="med"/>
-          </a:ln>
-        </p:spPr>
-      </p:cxnSp>
-      <p:sp>
-        <p:nvSpPr>
-          <p:cNvPr id="4" name="TextBox 3">
-            <a:extLst>
-              <a:ext uri="{FF2B5EF4-FFF2-40B4-BE49-F238E27FC236}">
-                <a16:creationId xmlns:a16="http://schemas.microsoft.com/office/drawing/2014/main" id="{E6D55009-3BC8-5354-4690-1BE8D69E4A04}"/>
-              </a:ext>
-            </a:extLst>
-          </p:cNvPr>
-          <p:cNvSpPr txBox="1"/>
-          <p:nvPr/>
-        </p:nvSpPr>
-        <p:spPr>
-          <a:xfrm>
-            <a:off x="762000" y="1199213"/>
-            <a:ext cx="10452512" cy="754694"/>
-          </a:xfrm>
-          <a:prstGeom prst="rect">
-            <a:avLst/>
-          </a:prstGeom>
-          <a:noFill/>
-        </p:spPr>
-        <p:txBody>
-          <a:bodyPr wrap="square" rtlCol="0">
-            <a:spAutoFit/>
-          </a:bodyPr>
-          <a:lstStyle/>
-          <a:p>
-            <a:pPr>
-              <a:lnSpc>
-                <a:spcPct val="150000"/>
-              </a:lnSpc>
-            </a:pPr>
-            <a:r>
-              <a:rPr lang="en-US" sz="3200" b="1" dirty="0">
-                <a:latin typeface="Calibri" panose="020F0502020204030204" pitchFamily="34" charset="0"/>
-                <a:ea typeface="Calibri" panose="020F0502020204030204" pitchFamily="34" charset="0"/>
-                <a:cs typeface="Calibri" panose="020F0502020204030204" pitchFamily="34" charset="0"/>
-              </a:rPr>
-              <a:t>Exercise</a:t>
-            </a:r>
-            <a:endParaRPr lang="en-GB" sz="3200" b="1" dirty="0">
-              <a:latin typeface="Calibri" panose="020F0502020204030204" pitchFamily="34" charset="0"/>
-              <a:ea typeface="Calibri" panose="020F0502020204030204" pitchFamily="34" charset="0"/>
-              <a:cs typeface="Calibri" panose="020F0502020204030204" pitchFamily="34" charset="0"/>
-            </a:endParaRPr>
-          </a:p>
-        </p:txBody>
-      </p:sp>
-      <p:pic>
-        <p:nvPicPr>
-          <p:cNvPr id="3" name="Picture 2">
-            <a:extLst>
-              <a:ext uri="{FF2B5EF4-FFF2-40B4-BE49-F238E27FC236}">
-                <a16:creationId xmlns:a16="http://schemas.microsoft.com/office/drawing/2014/main" id="{27FECB1C-BDB6-D7B4-E1A9-DCCDCFE7F0FB}"/>
-              </a:ext>
-            </a:extLst>
-          </p:cNvPr>
-          <p:cNvPicPr>
-            <a:picLocks noChangeAspect="1"/>
-          </p:cNvPicPr>
-          <p:nvPr/>
-        </p:nvPicPr>
-        <p:blipFill>
-          <a:blip r:embed="rId3"/>
-          <a:stretch>
-            <a:fillRect/>
-          </a:stretch>
-        </p:blipFill>
-        <p:spPr>
-          <a:xfrm>
-            <a:off x="762000" y="1984643"/>
-            <a:ext cx="10272000" cy="3389292"/>
-          </a:xfrm>
-          <a:prstGeom prst="rect">
-            <a:avLst/>
-          </a:prstGeom>
-        </p:spPr>
-      </p:pic>
-    </p:spTree>
-    <p:extLst>
-      <p:ext uri="{BB962C8B-B14F-4D97-AF65-F5344CB8AC3E}">
-        <p14:creationId xmlns:p14="http://schemas.microsoft.com/office/powerpoint/2010/main" val="3611085112"/>
-      </p:ext>
-    </p:extLst>
-  </p:cSld>
-  <p:clrMapOvr>
-    <a:masterClrMapping/>
-  </p:clrMapOvr>
-</p:sld>
-</file>
-
 <file path=ppt/slides/slide3.xml><?xml version="1.0" encoding="utf-8"?>
 <p:sld xmlns:a="http://schemas.openxmlformats.org/drawingml/2006/main" xmlns:r="http://schemas.openxmlformats.org/officeDocument/2006/relationships" xmlns:p="http://schemas.openxmlformats.org/presentationml/2006/main">
   <p:cSld>
